--- a/canvas-clock/doc/Canvas 时钟.pptx
+++ b/canvas-clock/doc/Canvas 时钟.pptx
@@ -5,7 +5,7 @@
     <p:sldMasterId id="2147483648" r:id="rId1"/>
   </p:sldMasterIdLst>
   <p:notesMasterIdLst>
-    <p:notesMasterId r:id="rId11"/>
+    <p:notesMasterId r:id="rId12"/>
   </p:notesMasterIdLst>
   <p:sldIdLst>
     <p:sldId id="257" r:id="rId2"/>
@@ -15,8 +15,9 @@
     <p:sldId id="259" r:id="rId6"/>
     <p:sldId id="258" r:id="rId7"/>
     <p:sldId id="260" r:id="rId8"/>
-    <p:sldId id="264" r:id="rId9"/>
-    <p:sldId id="263" r:id="rId10"/>
+    <p:sldId id="263" r:id="rId9"/>
+    <p:sldId id="264" r:id="rId10"/>
+    <p:sldId id="265" r:id="rId11"/>
   </p:sldIdLst>
   <p:sldSz cx="9144000" cy="6858000" type="screen4x3"/>
   <p:notesSz cx="6858000" cy="9144000"/>
@@ -202,7 +203,7 @@
             <a:fld id="{7C12CB50-CE8D-42AB-981D-75A1D00CA5A7}" type="datetimeFigureOut">
               <a:rPr lang="zh-CN" altLang="en-US" smtClean="0"/>
               <a:pPr/>
-              <a:t>2016/2/18</a:t>
+              <a:t>2016/2/25</a:t>
             </a:fld>
             <a:endParaRPr lang="zh-CN" altLang="en-US"/>
           </a:p>
@@ -732,7 +733,7 @@
             <a:fld id="{A4AB91A1-BFA2-4F29-983C-5A56AA5E000E}" type="datetimeFigureOut">
               <a:rPr lang="zh-CN" altLang="en-US" smtClean="0"/>
               <a:pPr/>
-              <a:t>2016/2/18</a:t>
+              <a:t>2016/2/25</a:t>
             </a:fld>
             <a:endParaRPr lang="zh-CN" altLang="en-US"/>
           </a:p>
@@ -899,7 +900,7 @@
             <a:fld id="{A4AB91A1-BFA2-4F29-983C-5A56AA5E000E}" type="datetimeFigureOut">
               <a:rPr lang="zh-CN" altLang="en-US" smtClean="0"/>
               <a:pPr/>
-              <a:t>2016/2/18</a:t>
+              <a:t>2016/2/25</a:t>
             </a:fld>
             <a:endParaRPr lang="zh-CN" altLang="en-US"/>
           </a:p>
@@ -1076,7 +1077,7 @@
             <a:fld id="{A4AB91A1-BFA2-4F29-983C-5A56AA5E000E}" type="datetimeFigureOut">
               <a:rPr lang="zh-CN" altLang="en-US" smtClean="0"/>
               <a:pPr/>
-              <a:t>2016/2/18</a:t>
+              <a:t>2016/2/25</a:t>
             </a:fld>
             <a:endParaRPr lang="zh-CN" altLang="en-US"/>
           </a:p>
@@ -1243,7 +1244,7 @@
             <a:fld id="{A4AB91A1-BFA2-4F29-983C-5A56AA5E000E}" type="datetimeFigureOut">
               <a:rPr lang="zh-CN" altLang="en-US" smtClean="0"/>
               <a:pPr/>
-              <a:t>2016/2/18</a:t>
+              <a:t>2016/2/25</a:t>
             </a:fld>
             <a:endParaRPr lang="zh-CN" altLang="en-US"/>
           </a:p>
@@ -1486,7 +1487,7 @@
             <a:fld id="{A4AB91A1-BFA2-4F29-983C-5A56AA5E000E}" type="datetimeFigureOut">
               <a:rPr lang="zh-CN" altLang="en-US" smtClean="0"/>
               <a:pPr/>
-              <a:t>2016/2/18</a:t>
+              <a:t>2016/2/25</a:t>
             </a:fld>
             <a:endParaRPr lang="zh-CN" altLang="en-US"/>
           </a:p>
@@ -1771,7 +1772,7 @@
             <a:fld id="{A4AB91A1-BFA2-4F29-983C-5A56AA5E000E}" type="datetimeFigureOut">
               <a:rPr lang="zh-CN" altLang="en-US" smtClean="0"/>
               <a:pPr/>
-              <a:t>2016/2/18</a:t>
+              <a:t>2016/2/25</a:t>
             </a:fld>
             <a:endParaRPr lang="zh-CN" altLang="en-US"/>
           </a:p>
@@ -2190,7 +2191,7 @@
             <a:fld id="{A4AB91A1-BFA2-4F29-983C-5A56AA5E000E}" type="datetimeFigureOut">
               <a:rPr lang="zh-CN" altLang="en-US" smtClean="0"/>
               <a:pPr/>
-              <a:t>2016/2/18</a:t>
+              <a:t>2016/2/25</a:t>
             </a:fld>
             <a:endParaRPr lang="zh-CN" altLang="en-US"/>
           </a:p>
@@ -2305,7 +2306,7 @@
             <a:fld id="{A4AB91A1-BFA2-4F29-983C-5A56AA5E000E}" type="datetimeFigureOut">
               <a:rPr lang="zh-CN" altLang="en-US" smtClean="0"/>
               <a:pPr/>
-              <a:t>2016/2/18</a:t>
+              <a:t>2016/2/25</a:t>
             </a:fld>
             <a:endParaRPr lang="zh-CN" altLang="en-US"/>
           </a:p>
@@ -2397,7 +2398,7 @@
             <a:fld id="{A4AB91A1-BFA2-4F29-983C-5A56AA5E000E}" type="datetimeFigureOut">
               <a:rPr lang="zh-CN" altLang="en-US" smtClean="0"/>
               <a:pPr/>
-              <a:t>2016/2/18</a:t>
+              <a:t>2016/2/25</a:t>
             </a:fld>
             <a:endParaRPr lang="zh-CN" altLang="en-US"/>
           </a:p>
@@ -2671,7 +2672,7 @@
             <a:fld id="{A4AB91A1-BFA2-4F29-983C-5A56AA5E000E}" type="datetimeFigureOut">
               <a:rPr lang="zh-CN" altLang="en-US" smtClean="0"/>
               <a:pPr/>
-              <a:t>2016/2/18</a:t>
+              <a:t>2016/2/25</a:t>
             </a:fld>
             <a:endParaRPr lang="zh-CN" altLang="en-US"/>
           </a:p>
@@ -2921,7 +2922,7 @@
             <a:fld id="{A4AB91A1-BFA2-4F29-983C-5A56AA5E000E}" type="datetimeFigureOut">
               <a:rPr lang="zh-CN" altLang="en-US" smtClean="0"/>
               <a:pPr/>
-              <a:t>2016/2/18</a:t>
+              <a:t>2016/2/25</a:t>
             </a:fld>
             <a:endParaRPr lang="zh-CN" altLang="en-US"/>
           </a:p>
@@ -3131,7 +3132,7 @@
             <a:fld id="{A4AB91A1-BFA2-4F29-983C-5A56AA5E000E}" type="datetimeFigureOut">
               <a:rPr lang="zh-CN" altLang="en-US" smtClean="0"/>
               <a:pPr/>
-              <a:t>2016/2/18</a:t>
+              <a:t>2016/2/25</a:t>
             </a:fld>
             <a:endParaRPr lang="zh-CN" altLang="en-US"/>
           </a:p>
@@ -3537,6 +3538,218 @@
         <p:cTn id="1" dur="indefinite" restart="never" nodeType="tmRoot"/>
       </p:par>
     </p:tnLst>
+  </p:timing>
+</p:sld>
+</file>
+
+<file path=ppt/slides/slide10.xml><?xml version="1.0" encoding="utf-8"?>
+<p:sld xmlns:a="http://schemas.openxmlformats.org/drawingml/2006/main" xmlns:r="http://schemas.openxmlformats.org/officeDocument/2006/relationships" xmlns:p="http://schemas.openxmlformats.org/presentationml/2006/main">
+  <p:cSld>
+    <p:spTree>
+      <p:nvGrpSpPr>
+        <p:cNvPr id="1" name=""/>
+        <p:cNvGrpSpPr/>
+        <p:nvPr/>
+      </p:nvGrpSpPr>
+      <p:grpSpPr>
+        <a:xfrm>
+          <a:off x="0" y="0"/>
+          <a:ext cx="0" cy="0"/>
+          <a:chOff x="0" y="0"/>
+          <a:chExt cx="0" cy="0"/>
+        </a:xfrm>
+      </p:grpSpPr>
+      <p:sp>
+        <p:nvSpPr>
+          <p:cNvPr id="2" name="TextBox 1"/>
+          <p:cNvSpPr txBox="1"/>
+          <p:nvPr/>
+        </p:nvSpPr>
+        <p:spPr>
+          <a:xfrm>
+            <a:off x="2339752" y="1628800"/>
+            <a:ext cx="2125903" cy="369332"/>
+          </a:xfrm>
+          <a:prstGeom prst="rect">
+            <a:avLst/>
+          </a:prstGeom>
+          <a:noFill/>
+        </p:spPr>
+        <p:txBody>
+          <a:bodyPr wrap="none" rtlCol="0">
+            <a:spAutoFit/>
+          </a:bodyPr>
+          <a:lstStyle/>
+          <a:p>
+            <a:r>
+              <a:rPr lang="en-US" altLang="zh-CN" dirty="0" smtClean="0"/>
+              <a:t>200 / width  =  10 / x</a:t>
+            </a:r>
+            <a:endParaRPr lang="zh-CN" altLang="en-US" dirty="0"/>
+          </a:p>
+        </p:txBody>
+      </p:sp>
+      <p:sp>
+        <p:nvSpPr>
+          <p:cNvPr id="3" name="TextBox 2"/>
+          <p:cNvSpPr txBox="1"/>
+          <p:nvPr/>
+        </p:nvSpPr>
+        <p:spPr>
+          <a:xfrm>
+            <a:off x="2411760" y="2636912"/>
+            <a:ext cx="2045753" cy="369332"/>
+          </a:xfrm>
+          <a:prstGeom prst="rect">
+            <a:avLst/>
+          </a:prstGeom>
+          <a:noFill/>
+        </p:spPr>
+        <p:txBody>
+          <a:bodyPr wrap="none" rtlCol="0">
+            <a:spAutoFit/>
+          </a:bodyPr>
+          <a:lstStyle/>
+          <a:p>
+            <a:r>
+              <a:rPr lang="en-US" altLang="zh-CN" dirty="0" smtClean="0"/>
+              <a:t>x = 10 * width / 200</a:t>
+            </a:r>
+            <a:endParaRPr lang="zh-CN" altLang="en-US" dirty="0"/>
+          </a:p>
+        </p:txBody>
+      </p:sp>
+    </p:spTree>
+  </p:cSld>
+  <p:clrMapOvr>
+    <a:masterClrMapping/>
+  </p:clrMapOvr>
+  <p:transition>
+    <p:zoom dir="in"/>
+  </p:transition>
+  <p:timing>
+    <p:tnLst>
+      <p:par>
+        <p:cTn id="1" dur="indefinite" restart="never" nodeType="tmRoot">
+          <p:childTnLst>
+            <p:seq concurrent="1" nextAc="seek">
+              <p:cTn id="2" dur="indefinite" nodeType="mainSeq">
+                <p:childTnLst>
+                  <p:par>
+                    <p:cTn id="3" fill="hold">
+                      <p:stCondLst>
+                        <p:cond delay="indefinite"/>
+                      </p:stCondLst>
+                      <p:childTnLst>
+                        <p:par>
+                          <p:cTn id="4" fill="hold">
+                            <p:stCondLst>
+                              <p:cond delay="0"/>
+                            </p:stCondLst>
+                            <p:childTnLst>
+                              <p:par>
+                                <p:cTn id="5" presetID="2" presetClass="entr" presetSubtype="4" fill="hold" grpId="0" nodeType="clickEffect">
+                                  <p:stCondLst>
+                                    <p:cond delay="0"/>
+                                  </p:stCondLst>
+                                  <p:childTnLst>
+                                    <p:set>
+                                      <p:cBhvr>
+                                        <p:cTn id="6" dur="1" fill="hold">
+                                          <p:stCondLst>
+                                            <p:cond delay="0"/>
+                                          </p:stCondLst>
+                                        </p:cTn>
+                                        <p:tgtEl>
+                                          <p:spTgt spid="3"/>
+                                        </p:tgtEl>
+                                        <p:attrNameLst>
+                                          <p:attrName>style.visibility</p:attrName>
+                                        </p:attrNameLst>
+                                      </p:cBhvr>
+                                      <p:to>
+                                        <p:strVal val="visible"/>
+                                      </p:to>
+                                    </p:set>
+                                    <p:anim calcmode="lin" valueType="num">
+                                      <p:cBhvr additive="base">
+                                        <p:cTn id="7" dur="500" fill="hold"/>
+                                        <p:tgtEl>
+                                          <p:spTgt spid="3"/>
+                                        </p:tgtEl>
+                                        <p:attrNameLst>
+                                          <p:attrName>ppt_x</p:attrName>
+                                        </p:attrNameLst>
+                                      </p:cBhvr>
+                                      <p:tavLst>
+                                        <p:tav tm="0">
+                                          <p:val>
+                                            <p:strVal val="#ppt_x"/>
+                                          </p:val>
+                                        </p:tav>
+                                        <p:tav tm="100000">
+                                          <p:val>
+                                            <p:strVal val="#ppt_x"/>
+                                          </p:val>
+                                        </p:tav>
+                                      </p:tavLst>
+                                    </p:anim>
+                                    <p:anim calcmode="lin" valueType="num">
+                                      <p:cBhvr additive="base">
+                                        <p:cTn id="8" dur="500" fill="hold"/>
+                                        <p:tgtEl>
+                                          <p:spTgt spid="3"/>
+                                        </p:tgtEl>
+                                        <p:attrNameLst>
+                                          <p:attrName>ppt_y</p:attrName>
+                                        </p:attrNameLst>
+                                      </p:cBhvr>
+                                      <p:tavLst>
+                                        <p:tav tm="0">
+                                          <p:val>
+                                            <p:strVal val="1+#ppt_h/2"/>
+                                          </p:val>
+                                        </p:tav>
+                                        <p:tav tm="100000">
+                                          <p:val>
+                                            <p:strVal val="#ppt_y"/>
+                                          </p:val>
+                                        </p:tav>
+                                      </p:tavLst>
+                                    </p:anim>
+                                  </p:childTnLst>
+                                </p:cTn>
+                              </p:par>
+                            </p:childTnLst>
+                          </p:cTn>
+                        </p:par>
+                      </p:childTnLst>
+                    </p:cTn>
+                  </p:par>
+                </p:childTnLst>
+              </p:cTn>
+              <p:prevCondLst>
+                <p:cond evt="onPrev" delay="0">
+                  <p:tgtEl>
+                    <p:sldTgt/>
+                  </p:tgtEl>
+                </p:cond>
+              </p:prevCondLst>
+              <p:nextCondLst>
+                <p:cond evt="onNext" delay="0">
+                  <p:tgtEl>
+                    <p:sldTgt/>
+                  </p:tgtEl>
+                </p:cond>
+              </p:nextCondLst>
+            </p:seq>
+          </p:childTnLst>
+        </p:cTn>
+      </p:par>
+    </p:tnLst>
+    <p:bldLst>
+      <p:bldP spid="3" grpId="0"/>
+    </p:bldLst>
   </p:timing>
 </p:sld>
 </file>
@@ -6262,6 +6475,57 @@
       </p:grpSpPr>
       <p:pic>
         <p:nvPicPr>
+          <p:cNvPr id="1026" name="Picture 2" descr="C:\Users\Administrator\Desktop\下载 (1).png"/>
+          <p:cNvPicPr>
+            <a:picLocks noChangeAspect="1" noChangeArrowheads="1"/>
+          </p:cNvPicPr>
+          <p:nvPr/>
+        </p:nvPicPr>
+        <p:blipFill>
+          <a:blip r:embed="rId2" cstate="print"/>
+          <a:srcRect/>
+          <a:stretch>
+            <a:fillRect/>
+          </a:stretch>
+        </p:blipFill>
+        <p:spPr bwMode="auto">
+          <a:xfrm>
+            <a:off x="3143250" y="2000250"/>
+            <a:ext cx="2857500" cy="2857500"/>
+          </a:xfrm>
+          <a:prstGeom prst="rect">
+            <a:avLst/>
+          </a:prstGeom>
+          <a:noFill/>
+        </p:spPr>
+      </p:pic>
+    </p:spTree>
+  </p:cSld>
+  <p:clrMapOvr>
+    <a:masterClrMapping/>
+  </p:clrMapOvr>
+</p:sld>
+</file>
+
+<file path=ppt/slides/slide9.xml><?xml version="1.0" encoding="utf-8"?>
+<p:sld xmlns:a="http://schemas.openxmlformats.org/drawingml/2006/main" xmlns:r="http://schemas.openxmlformats.org/officeDocument/2006/relationships" xmlns:p="http://schemas.openxmlformats.org/presentationml/2006/main">
+  <p:cSld>
+    <p:spTree>
+      <p:nvGrpSpPr>
+        <p:cNvPr id="1" name=""/>
+        <p:cNvGrpSpPr/>
+        <p:nvPr/>
+      </p:nvGrpSpPr>
+      <p:grpSpPr>
+        <a:xfrm>
+          <a:off x="0" y="0"/>
+          <a:ext cx="0" cy="0"/>
+          <a:chOff x="0" y="0"/>
+          <a:chExt cx="0" cy="0"/>
+        </a:xfrm>
+      </p:grpSpPr>
+      <p:pic>
+        <p:nvPicPr>
           <p:cNvPr id="2" name="图片 1" descr="51鍠囧彮鍠婅瘽.gif"/>
           <p:cNvPicPr>
             <a:picLocks noChangeAspect="1"/>
@@ -6296,57 +6560,6 @@
       </p:par>
     </p:tnLst>
   </p:timing>
-</p:sld>
-</file>
-
-<file path=ppt/slides/slide9.xml><?xml version="1.0" encoding="utf-8"?>
-<p:sld xmlns:a="http://schemas.openxmlformats.org/drawingml/2006/main" xmlns:r="http://schemas.openxmlformats.org/officeDocument/2006/relationships" xmlns:p="http://schemas.openxmlformats.org/presentationml/2006/main">
-  <p:cSld>
-    <p:spTree>
-      <p:nvGrpSpPr>
-        <p:cNvPr id="1" name=""/>
-        <p:cNvGrpSpPr/>
-        <p:nvPr/>
-      </p:nvGrpSpPr>
-      <p:grpSpPr>
-        <a:xfrm>
-          <a:off x="0" y="0"/>
-          <a:ext cx="0" cy="0"/>
-          <a:chOff x="0" y="0"/>
-          <a:chExt cx="0" cy="0"/>
-        </a:xfrm>
-      </p:grpSpPr>
-      <p:pic>
-        <p:nvPicPr>
-          <p:cNvPr id="1026" name="Picture 2" descr="C:\Users\Administrator\Desktop\下载 (1).png"/>
-          <p:cNvPicPr>
-            <a:picLocks noChangeAspect="1" noChangeArrowheads="1"/>
-          </p:cNvPicPr>
-          <p:nvPr/>
-        </p:nvPicPr>
-        <p:blipFill>
-          <a:blip r:embed="rId2" cstate="print"/>
-          <a:srcRect/>
-          <a:stretch>
-            <a:fillRect/>
-          </a:stretch>
-        </p:blipFill>
-        <p:spPr bwMode="auto">
-          <a:xfrm>
-            <a:off x="3143250" y="2000250"/>
-            <a:ext cx="2857500" cy="2857500"/>
-          </a:xfrm>
-          <a:prstGeom prst="rect">
-            <a:avLst/>
-          </a:prstGeom>
-          <a:noFill/>
-        </p:spPr>
-      </p:pic>
-    </p:spTree>
-  </p:cSld>
-  <p:clrMapOvr>
-    <a:masterClrMapping/>
-  </p:clrMapOvr>
 </p:sld>
 </file>
 
